--- a/Уроки/Занятие 2/презентация.pptx
+++ b/Уроки/Занятие 2/презентация.pptx
@@ -127,10 +127,10 @@
   </p:defaultTextStyle>
   <p:extLst>
     <p:ext uri="{EFAFB233-063F-42B5-8137-9DF3F51BA10A}">
-      <p15:sldGuideLst xmlns:p15="http://schemas.microsoft.com/office/powerpoint/2012/main"/>
+      <p15:sldGuideLst xmlns:p15="http://schemas.microsoft.com/office/powerpoint/2012/main" xmlns=""/>
     </p:ext>
     <p:ext uri="{2D200454-40CA-4A62-9FC3-DE9A4176ACB9}">
-      <p15:notesGuideLst xmlns:p15="http://schemas.microsoft.com/office/powerpoint/2012/main"/>
+      <p15:notesGuideLst xmlns:p15="http://schemas.microsoft.com/office/powerpoint/2012/main" xmlns=""/>
     </p:ext>
   </p:extLst>
 </p:presentation>
@@ -163,7 +163,7 @@
           <p:cNvPr id="2" name="Верхний колонтитул 1">
             <a:extLst>
               <a:ext uri="{FF2B5EF4-FFF2-40B4-BE49-F238E27FC236}">
-                <a16:creationId xmlns:a16="http://schemas.microsoft.com/office/drawing/2014/main" id="{F8D68758-C773-4581-A742-4E5E3F8F5BC5}"/>
+                <a16:creationId xmlns:a16="http://schemas.microsoft.com/office/drawing/2014/main" xmlns="" id="{F8D68758-C773-4581-A742-4E5E3F8F5BC5}"/>
               </a:ext>
             </a:extLst>
           </p:cNvPr>
@@ -200,7 +200,7 @@
           <p:cNvPr id="3" name="Дата 2">
             <a:extLst>
               <a:ext uri="{FF2B5EF4-FFF2-40B4-BE49-F238E27FC236}">
-                <a16:creationId xmlns:a16="http://schemas.microsoft.com/office/drawing/2014/main" id="{B837CE0F-8130-4421-8405-ADE764F20ABB}"/>
+                <a16:creationId xmlns:a16="http://schemas.microsoft.com/office/drawing/2014/main" xmlns="" id="{B837CE0F-8130-4421-8405-ADE764F20ABB}"/>
               </a:ext>
             </a:extLst>
           </p:cNvPr>
@@ -230,7 +230,8 @@
           <a:p>
             <a:fld id="{86DD7E2D-659A-4E30-ACAC-1ADBA24933A1}" type="datetimeFigureOut">
               <a:rPr lang="ru-RU" smtClean="0"/>
-              <a:t>24.01.2020</a:t>
+              <a:pPr/>
+              <a:t>25.01.2020</a:t>
             </a:fld>
             <a:endParaRPr lang="ru-RU"/>
           </a:p>
@@ -241,7 +242,7 @@
           <p:cNvPr id="4" name="Нижний колонтитул 3">
             <a:extLst>
               <a:ext uri="{FF2B5EF4-FFF2-40B4-BE49-F238E27FC236}">
-                <a16:creationId xmlns:a16="http://schemas.microsoft.com/office/drawing/2014/main" id="{83EB5425-BC92-46D1-A03D-2E410F873468}"/>
+                <a16:creationId xmlns:a16="http://schemas.microsoft.com/office/drawing/2014/main" xmlns="" id="{83EB5425-BC92-46D1-A03D-2E410F873468}"/>
               </a:ext>
             </a:extLst>
           </p:cNvPr>
@@ -278,7 +279,7 @@
           <p:cNvPr id="5" name="Номер слайда 4">
             <a:extLst>
               <a:ext uri="{FF2B5EF4-FFF2-40B4-BE49-F238E27FC236}">
-                <a16:creationId xmlns:a16="http://schemas.microsoft.com/office/drawing/2014/main" id="{7B684389-3916-4A4F-A775-94936CCE9A36}"/>
+                <a16:creationId xmlns:a16="http://schemas.microsoft.com/office/drawing/2014/main" xmlns="" id="{7B684389-3916-4A4F-A775-94936CCE9A36}"/>
               </a:ext>
             </a:extLst>
           </p:cNvPr>
@@ -308,6 +309,7 @@
           <a:p>
             <a:fld id="{DB3B1AAA-5261-4B5D-BDF1-6D4B8804CD5E}" type="slidenum">
               <a:rPr lang="ru-RU" smtClean="0"/>
+              <a:pPr/>
               <a:t>‹#›</a:t>
             </a:fld>
             <a:endParaRPr lang="ru-RU"/>
@@ -317,7 +319,7 @@
     </p:spTree>
     <p:extLst>
       <p:ext uri="{BB962C8B-B14F-4D97-AF65-F5344CB8AC3E}">
-        <p14:creationId xmlns:p14="http://schemas.microsoft.com/office/powerpoint/2010/main" val="1866489671"/>
+        <p14:creationId xmlns:p14="http://schemas.microsoft.com/office/powerpoint/2010/main" xmlns="" val="1866489671"/>
       </p:ext>
     </p:extLst>
   </p:cSld>
@@ -407,7 +409,8 @@
           <a:p>
             <a:fld id="{4F4F6B62-1690-4254-BD4F-648C9B6CF08D}" type="datetimeFigureOut">
               <a:rPr lang="ru-RU" smtClean="0"/>
-              <a:t>24.01.2020</a:t>
+              <a:pPr/>
+              <a:t>25.01.2020</a:t>
             </a:fld>
             <a:endParaRPr lang="ru-RU"/>
           </a:p>
@@ -565,6 +568,7 @@
           <a:p>
             <a:fld id="{4E170768-5300-44EA-9A09-2FE850F45F97}" type="slidenum">
               <a:rPr lang="ru-RU" smtClean="0"/>
+              <a:pPr/>
               <a:t>‹#›</a:t>
             </a:fld>
             <a:endParaRPr lang="ru-RU"/>
@@ -574,7 +578,7 @@
     </p:spTree>
     <p:extLst>
       <p:ext uri="{BB962C8B-B14F-4D97-AF65-F5344CB8AC3E}">
-        <p14:creationId xmlns:p14="http://schemas.microsoft.com/office/powerpoint/2010/main" val="537014423"/>
+        <p14:creationId xmlns:p14="http://schemas.microsoft.com/office/powerpoint/2010/main" xmlns="" val="537014423"/>
       </p:ext>
     </p:extLst>
   </p:cSld>
@@ -739,6 +743,7 @@
           <a:p>
             <a:fld id="{4E170768-5300-44EA-9A09-2FE850F45F97}" type="slidenum">
               <a:rPr lang="ru-RU" smtClean="0"/>
+              <a:pPr/>
               <a:t>14</a:t>
             </a:fld>
             <a:endParaRPr lang="ru-RU"/>
@@ -748,7 +753,7 @@
     </p:spTree>
     <p:extLst>
       <p:ext uri="{BB962C8B-B14F-4D97-AF65-F5344CB8AC3E}">
-        <p14:creationId xmlns:p14="http://schemas.microsoft.com/office/powerpoint/2010/main" val="745911276"/>
+        <p14:creationId xmlns:p14="http://schemas.microsoft.com/office/powerpoint/2010/main" xmlns="" val="745911276"/>
       </p:ext>
     </p:extLst>
   </p:cSld>
@@ -764,7 +769,7 @@
     <p:bg>
       <p:bgPr>
         <a:blipFill dpi="0" rotWithShape="1">
-          <a:blip r:embed="rId2">
+          <a:blip r:embed="rId2" cstate="print">
             <a:lum/>
           </a:blip>
           <a:srcRect/>
@@ -794,7 +799,7 @@
           <p:cNvPr id="7" name="TextBox 6">
             <a:extLst>
               <a:ext uri="{FF2B5EF4-FFF2-40B4-BE49-F238E27FC236}">
-                <a16:creationId xmlns:a16="http://schemas.microsoft.com/office/drawing/2014/main" id="{1F74471D-0AB9-48BB-B5DA-1009EC9288A0}"/>
+                <a16:creationId xmlns:a16="http://schemas.microsoft.com/office/drawing/2014/main" xmlns="" id="{1F74471D-0AB9-48BB-B5DA-1009EC9288A0}"/>
               </a:ext>
             </a:extLst>
           </p:cNvPr>
@@ -873,7 +878,7 @@
           <p:cNvPr id="8" name="TextBox 7">
             <a:extLst>
               <a:ext uri="{FF2B5EF4-FFF2-40B4-BE49-F238E27FC236}">
-                <a16:creationId xmlns:a16="http://schemas.microsoft.com/office/drawing/2014/main" id="{F3DEA81B-7B8F-4EED-B64E-03A83A37A185}"/>
+                <a16:creationId xmlns:a16="http://schemas.microsoft.com/office/drawing/2014/main" xmlns="" id="{F3DEA81B-7B8F-4EED-B64E-03A83A37A185}"/>
               </a:ext>
             </a:extLst>
           </p:cNvPr>
@@ -917,7 +922,7 @@
     </p:spTree>
     <p:extLst>
       <p:ext uri="{BB962C8B-B14F-4D97-AF65-F5344CB8AC3E}">
-        <p14:creationId xmlns:p14="http://schemas.microsoft.com/office/powerpoint/2010/main" val="540633367"/>
+        <p14:creationId xmlns:p14="http://schemas.microsoft.com/office/powerpoint/2010/main" xmlns="" val="540633367"/>
       </p:ext>
     </p:extLst>
   </p:cSld>
@@ -957,7 +962,7 @@
           <p:cNvPr id="12" name="Заголовок 11">
             <a:extLst>
               <a:ext uri="{FF2B5EF4-FFF2-40B4-BE49-F238E27FC236}">
-                <a16:creationId xmlns:a16="http://schemas.microsoft.com/office/drawing/2014/main" id="{BC8CD9DF-739E-425A-A557-6FCEE5B2AB96}"/>
+                <a16:creationId xmlns:a16="http://schemas.microsoft.com/office/drawing/2014/main" xmlns="" id="{BC8CD9DF-739E-425A-A557-6FCEE5B2AB96}"/>
               </a:ext>
             </a:extLst>
           </p:cNvPr>
@@ -1005,7 +1010,7 @@
           <p:cNvPr id="16" name="Рисунок 15">
             <a:extLst>
               <a:ext uri="{FF2B5EF4-FFF2-40B4-BE49-F238E27FC236}">
-                <a16:creationId xmlns:a16="http://schemas.microsoft.com/office/drawing/2014/main" id="{ED192B9F-70E7-4E31-9BE2-5C8ED482AF43}"/>
+                <a16:creationId xmlns:a16="http://schemas.microsoft.com/office/drawing/2014/main" xmlns="" id="{ED192B9F-70E7-4E31-9BE2-5C8ED482AF43}"/>
               </a:ext>
             </a:extLst>
           </p:cNvPr>
@@ -1015,10 +1020,10 @@
           <p:nvPr userDrawn="1"/>
         </p:nvPicPr>
         <p:blipFill>
-          <a:blip r:embed="rId2">
+          <a:blip r:embed="rId2" cstate="print">
             <a:extLst>
               <a:ext uri="{28A0092B-C50C-407E-A947-70E740481C1C}">
-                <a14:useLocalDpi xmlns:a14="http://schemas.microsoft.com/office/drawing/2010/main" val="0"/>
+                <a14:useLocalDpi xmlns:a14="http://schemas.microsoft.com/office/drawing/2010/main" xmlns="" val="0"/>
               </a:ext>
             </a:extLst>
           </a:blip>
@@ -1041,7 +1046,7 @@
           <p:cNvPr id="21" name="Текст 20">
             <a:extLst>
               <a:ext uri="{FF2B5EF4-FFF2-40B4-BE49-F238E27FC236}">
-                <a16:creationId xmlns:a16="http://schemas.microsoft.com/office/drawing/2014/main" id="{F64BAE20-B9B3-4529-A054-2F532B28EFCE}"/>
+                <a16:creationId xmlns:a16="http://schemas.microsoft.com/office/drawing/2014/main" xmlns="" id="{F64BAE20-B9B3-4529-A054-2F532B28EFCE}"/>
               </a:ext>
             </a:extLst>
           </p:cNvPr>
@@ -1138,7 +1143,7 @@
     </p:spTree>
     <p:extLst>
       <p:ext uri="{BB962C8B-B14F-4D97-AF65-F5344CB8AC3E}">
-        <p14:creationId xmlns:p14="http://schemas.microsoft.com/office/powerpoint/2010/main" val="3265310540"/>
+        <p14:creationId xmlns:p14="http://schemas.microsoft.com/office/powerpoint/2010/main" xmlns="" val="3265310540"/>
       </p:ext>
     </p:extLst>
   </p:cSld>
@@ -1178,7 +1183,7 @@
           <p:cNvPr id="12" name="Заголовок 11">
             <a:extLst>
               <a:ext uri="{FF2B5EF4-FFF2-40B4-BE49-F238E27FC236}">
-                <a16:creationId xmlns:a16="http://schemas.microsoft.com/office/drawing/2014/main" id="{BC8CD9DF-739E-425A-A557-6FCEE5B2AB96}"/>
+                <a16:creationId xmlns:a16="http://schemas.microsoft.com/office/drawing/2014/main" xmlns="" id="{BC8CD9DF-739E-425A-A557-6FCEE5B2AB96}"/>
               </a:ext>
             </a:extLst>
           </p:cNvPr>
@@ -1226,7 +1231,7 @@
           <p:cNvPr id="3" name="Прямоугольник 2">
             <a:extLst>
               <a:ext uri="{FF2B5EF4-FFF2-40B4-BE49-F238E27FC236}">
-                <a16:creationId xmlns:a16="http://schemas.microsoft.com/office/drawing/2014/main" id="{3AB73462-F585-4C83-A164-9B702BB0D46B}"/>
+                <a16:creationId xmlns:a16="http://schemas.microsoft.com/office/drawing/2014/main" xmlns="" id="{3AB73462-F585-4C83-A164-9B702BB0D46B}"/>
               </a:ext>
             </a:extLst>
           </p:cNvPr>
@@ -1268,7 +1273,7 @@
     </p:spTree>
     <p:extLst>
       <p:ext uri="{BB962C8B-B14F-4D97-AF65-F5344CB8AC3E}">
-        <p14:creationId xmlns:p14="http://schemas.microsoft.com/office/powerpoint/2010/main" val="3536685030"/>
+        <p14:creationId xmlns:p14="http://schemas.microsoft.com/office/powerpoint/2010/main" xmlns="" val="3536685030"/>
       </p:ext>
     </p:extLst>
   </p:cSld>
@@ -1308,7 +1313,7 @@
           <p:cNvPr id="12" name="Заголовок 11">
             <a:extLst>
               <a:ext uri="{FF2B5EF4-FFF2-40B4-BE49-F238E27FC236}">
-                <a16:creationId xmlns:a16="http://schemas.microsoft.com/office/drawing/2014/main" id="{BC8CD9DF-739E-425A-A557-6FCEE5B2AB96}"/>
+                <a16:creationId xmlns:a16="http://schemas.microsoft.com/office/drawing/2014/main" xmlns="" id="{BC8CD9DF-739E-425A-A557-6FCEE5B2AB96}"/>
               </a:ext>
             </a:extLst>
           </p:cNvPr>
@@ -1356,7 +1361,7 @@
           <p:cNvPr id="5" name="Рисунок 4">
             <a:extLst>
               <a:ext uri="{FF2B5EF4-FFF2-40B4-BE49-F238E27FC236}">
-                <a16:creationId xmlns:a16="http://schemas.microsoft.com/office/drawing/2014/main" id="{B2175B9A-2A9D-4048-8818-2AD840F1F072}"/>
+                <a16:creationId xmlns:a16="http://schemas.microsoft.com/office/drawing/2014/main" xmlns="" id="{B2175B9A-2A9D-4048-8818-2AD840F1F072}"/>
               </a:ext>
             </a:extLst>
           </p:cNvPr>
@@ -1366,10 +1371,10 @@
           <p:nvPr userDrawn="1"/>
         </p:nvPicPr>
         <p:blipFill>
-          <a:blip r:embed="rId2">
+          <a:blip r:embed="rId2" cstate="print">
             <a:extLst>
               <a:ext uri="{28A0092B-C50C-407E-A947-70E740481C1C}">
-                <a14:useLocalDpi xmlns:a14="http://schemas.microsoft.com/office/drawing/2010/main" val="0"/>
+                <a14:useLocalDpi xmlns:a14="http://schemas.microsoft.com/office/drawing/2010/main" xmlns="" val="0"/>
               </a:ext>
             </a:extLst>
           </a:blip>
@@ -1392,7 +1397,7 @@
           <p:cNvPr id="29" name="Текст 20">
             <a:extLst>
               <a:ext uri="{FF2B5EF4-FFF2-40B4-BE49-F238E27FC236}">
-                <a16:creationId xmlns:a16="http://schemas.microsoft.com/office/drawing/2014/main" id="{CD12EF81-9D94-467A-809A-660E19CAB7B2}"/>
+                <a16:creationId xmlns:a16="http://schemas.microsoft.com/office/drawing/2014/main" xmlns="" id="{CD12EF81-9D94-467A-809A-660E19CAB7B2}"/>
               </a:ext>
             </a:extLst>
           </p:cNvPr>
@@ -1540,7 +1545,7 @@
     </p:spTree>
     <p:extLst>
       <p:ext uri="{BB962C8B-B14F-4D97-AF65-F5344CB8AC3E}">
-        <p14:creationId xmlns:p14="http://schemas.microsoft.com/office/powerpoint/2010/main" val="1984901067"/>
+        <p14:creationId xmlns:p14="http://schemas.microsoft.com/office/powerpoint/2010/main" xmlns="" val="1984901067"/>
       </p:ext>
     </p:extLst>
   </p:cSld>
@@ -1580,7 +1585,7 @@
           <p:cNvPr id="12" name="Заголовок 11">
             <a:extLst>
               <a:ext uri="{FF2B5EF4-FFF2-40B4-BE49-F238E27FC236}">
-                <a16:creationId xmlns:a16="http://schemas.microsoft.com/office/drawing/2014/main" id="{BC8CD9DF-739E-425A-A557-6FCEE5B2AB96}"/>
+                <a16:creationId xmlns:a16="http://schemas.microsoft.com/office/drawing/2014/main" xmlns="" id="{BC8CD9DF-739E-425A-A557-6FCEE5B2AB96}"/>
               </a:ext>
             </a:extLst>
           </p:cNvPr>
@@ -1628,7 +1633,7 @@
           <p:cNvPr id="3" name="Рисунок 2">
             <a:extLst>
               <a:ext uri="{FF2B5EF4-FFF2-40B4-BE49-F238E27FC236}">
-                <a16:creationId xmlns:a16="http://schemas.microsoft.com/office/drawing/2014/main" id="{0AB7B93B-0218-437D-904B-7CA533245427}"/>
+                <a16:creationId xmlns:a16="http://schemas.microsoft.com/office/drawing/2014/main" xmlns="" id="{0AB7B93B-0218-437D-904B-7CA533245427}"/>
               </a:ext>
             </a:extLst>
           </p:cNvPr>
@@ -1638,10 +1643,10 @@
           <p:nvPr userDrawn="1"/>
         </p:nvPicPr>
         <p:blipFill>
-          <a:blip r:embed="rId2">
+          <a:blip r:embed="rId2" cstate="print">
             <a:extLst>
               <a:ext uri="{28A0092B-C50C-407E-A947-70E740481C1C}">
-                <a14:useLocalDpi xmlns:a14="http://schemas.microsoft.com/office/drawing/2010/main" val="0"/>
+                <a14:useLocalDpi xmlns:a14="http://schemas.microsoft.com/office/drawing/2010/main" xmlns="" val="0"/>
               </a:ext>
             </a:extLst>
           </a:blip>
@@ -1664,7 +1669,7 @@
           <p:cNvPr id="9" name="Текст 20">
             <a:extLst>
               <a:ext uri="{FF2B5EF4-FFF2-40B4-BE49-F238E27FC236}">
-                <a16:creationId xmlns:a16="http://schemas.microsoft.com/office/drawing/2014/main" id="{1760F9E2-140C-40F5-83B1-2E6EC058C7C8}"/>
+                <a16:creationId xmlns:a16="http://schemas.microsoft.com/office/drawing/2014/main" xmlns="" id="{1760F9E2-140C-40F5-83B1-2E6EC058C7C8}"/>
               </a:ext>
             </a:extLst>
           </p:cNvPr>
@@ -1741,7 +1746,7 @@
     </p:spTree>
     <p:extLst>
       <p:ext uri="{BB962C8B-B14F-4D97-AF65-F5344CB8AC3E}">
-        <p14:creationId xmlns:p14="http://schemas.microsoft.com/office/powerpoint/2010/main" val="567611742"/>
+        <p14:creationId xmlns:p14="http://schemas.microsoft.com/office/powerpoint/2010/main" xmlns="" val="567611742"/>
       </p:ext>
     </p:extLst>
   </p:cSld>
@@ -1781,7 +1786,7 @@
           <p:cNvPr id="12" name="Заголовок 11">
             <a:extLst>
               <a:ext uri="{FF2B5EF4-FFF2-40B4-BE49-F238E27FC236}">
-                <a16:creationId xmlns:a16="http://schemas.microsoft.com/office/drawing/2014/main" id="{BC8CD9DF-739E-425A-A557-6FCEE5B2AB96}"/>
+                <a16:creationId xmlns:a16="http://schemas.microsoft.com/office/drawing/2014/main" xmlns="" id="{BC8CD9DF-739E-425A-A557-6FCEE5B2AB96}"/>
               </a:ext>
             </a:extLst>
           </p:cNvPr>
@@ -1829,7 +1834,7 @@
           <p:cNvPr id="3" name="Рисунок 2">
             <a:extLst>
               <a:ext uri="{FF2B5EF4-FFF2-40B4-BE49-F238E27FC236}">
-                <a16:creationId xmlns:a16="http://schemas.microsoft.com/office/drawing/2014/main" id="{0AB7B93B-0218-437D-904B-7CA533245427}"/>
+                <a16:creationId xmlns:a16="http://schemas.microsoft.com/office/drawing/2014/main" xmlns="" id="{0AB7B93B-0218-437D-904B-7CA533245427}"/>
               </a:ext>
             </a:extLst>
           </p:cNvPr>
@@ -1839,10 +1844,10 @@
           <p:nvPr userDrawn="1"/>
         </p:nvPicPr>
         <p:blipFill>
-          <a:blip r:embed="rId2">
+          <a:blip r:embed="rId2" cstate="print">
             <a:extLst>
               <a:ext uri="{28A0092B-C50C-407E-A947-70E740481C1C}">
-                <a14:useLocalDpi xmlns:a14="http://schemas.microsoft.com/office/drawing/2010/main" val="0"/>
+                <a14:useLocalDpi xmlns:a14="http://schemas.microsoft.com/office/drawing/2010/main" xmlns="" val="0"/>
               </a:ext>
             </a:extLst>
           </a:blip>
@@ -1865,7 +1870,7 @@
           <p:cNvPr id="9" name="Текст 20">
             <a:extLst>
               <a:ext uri="{FF2B5EF4-FFF2-40B4-BE49-F238E27FC236}">
-                <a16:creationId xmlns:a16="http://schemas.microsoft.com/office/drawing/2014/main" id="{1760F9E2-140C-40F5-83B1-2E6EC058C7C8}"/>
+                <a16:creationId xmlns:a16="http://schemas.microsoft.com/office/drawing/2014/main" xmlns="" id="{1760F9E2-140C-40F5-83B1-2E6EC058C7C8}"/>
               </a:ext>
             </a:extLst>
           </p:cNvPr>
@@ -2015,7 +2020,7 @@
           <p:cNvPr id="4" name="Рисунок 3">
             <a:extLst>
               <a:ext uri="{FF2B5EF4-FFF2-40B4-BE49-F238E27FC236}">
-                <a16:creationId xmlns:a16="http://schemas.microsoft.com/office/drawing/2014/main" id="{52E2EB49-09B1-459C-A0AC-C7BD71089AE8}"/>
+                <a16:creationId xmlns:a16="http://schemas.microsoft.com/office/drawing/2014/main" xmlns="" id="{52E2EB49-09B1-459C-A0AC-C7BD71089AE8}"/>
               </a:ext>
             </a:extLst>
           </p:cNvPr>
@@ -2025,10 +2030,10 @@
           <p:nvPr userDrawn="1"/>
         </p:nvPicPr>
         <p:blipFill>
-          <a:blip r:embed="rId3">
+          <a:blip r:embed="rId3" cstate="print">
             <a:extLst>
               <a:ext uri="{28A0092B-C50C-407E-A947-70E740481C1C}">
-                <a14:useLocalDpi xmlns:a14="http://schemas.microsoft.com/office/drawing/2010/main" val="0"/>
+                <a14:useLocalDpi xmlns:a14="http://schemas.microsoft.com/office/drawing/2010/main" xmlns="" val="0"/>
               </a:ext>
             </a:extLst>
           </a:blip>
@@ -2049,7 +2054,7 @@
     </p:spTree>
     <p:extLst>
       <p:ext uri="{BB962C8B-B14F-4D97-AF65-F5344CB8AC3E}">
-        <p14:creationId xmlns:p14="http://schemas.microsoft.com/office/powerpoint/2010/main" val="4055571632"/>
+        <p14:creationId xmlns:p14="http://schemas.microsoft.com/office/powerpoint/2010/main" xmlns="" val="4055571632"/>
       </p:ext>
     </p:extLst>
   </p:cSld>
@@ -2084,7 +2089,7 @@
     </p:spTree>
     <p:extLst>
       <p:ext uri="{BB962C8B-B14F-4D97-AF65-F5344CB8AC3E}">
-        <p14:creationId xmlns:p14="http://schemas.microsoft.com/office/powerpoint/2010/main" val="493657988"/>
+        <p14:creationId xmlns:p14="http://schemas.microsoft.com/office/powerpoint/2010/main" xmlns="" val="493657988"/>
       </p:ext>
     </p:extLst>
   </p:cSld>
@@ -2400,7 +2405,7 @@
     </p:spTree>
     <p:extLst>
       <p:ext uri="{BB962C8B-B14F-4D97-AF65-F5344CB8AC3E}">
-        <p14:creationId xmlns:p14="http://schemas.microsoft.com/office/powerpoint/2010/main" val="243692767"/>
+        <p14:creationId xmlns:p14="http://schemas.microsoft.com/office/powerpoint/2010/main" xmlns="" val="243692767"/>
       </p:ext>
     </p:extLst>
   </p:cSld>
@@ -2432,7 +2437,7 @@
           <p:cNvPr id="2" name="Заголовок 1">
             <a:extLst>
               <a:ext uri="{FF2B5EF4-FFF2-40B4-BE49-F238E27FC236}">
-                <a16:creationId xmlns:a16="http://schemas.microsoft.com/office/drawing/2014/main" id="{8E074729-E5D8-4893-8328-E1BF1EA20C0A}"/>
+                <a16:creationId xmlns:a16="http://schemas.microsoft.com/office/drawing/2014/main" xmlns="" id="{8E074729-E5D8-4893-8328-E1BF1EA20C0A}"/>
               </a:ext>
             </a:extLst>
           </p:cNvPr>
@@ -2460,7 +2465,7 @@
           <p:cNvPr id="3" name="Текст 2">
             <a:extLst>
               <a:ext uri="{FF2B5EF4-FFF2-40B4-BE49-F238E27FC236}">
-                <a16:creationId xmlns:a16="http://schemas.microsoft.com/office/drawing/2014/main" id="{D80A1A47-F240-43E6-9254-81C3E990DF4D}"/>
+                <a16:creationId xmlns:a16="http://schemas.microsoft.com/office/drawing/2014/main" xmlns="" id="{D80A1A47-F240-43E6-9254-81C3E990DF4D}"/>
               </a:ext>
             </a:extLst>
           </p:cNvPr>
@@ -2531,7 +2536,7 @@
     </p:spTree>
     <p:extLst>
       <p:ext uri="{BB962C8B-B14F-4D97-AF65-F5344CB8AC3E}">
-        <p14:creationId xmlns:p14="http://schemas.microsoft.com/office/powerpoint/2010/main" val="1593246196"/>
+        <p14:creationId xmlns:p14="http://schemas.microsoft.com/office/powerpoint/2010/main" xmlns="" val="1593246196"/>
       </p:ext>
     </p:extLst>
   </p:cSld>
@@ -2563,7 +2568,7 @@
           <p:cNvPr id="2" name="Заголовок 1">
             <a:extLst>
               <a:ext uri="{FF2B5EF4-FFF2-40B4-BE49-F238E27FC236}">
-                <a16:creationId xmlns:a16="http://schemas.microsoft.com/office/drawing/2014/main" id="{1CBE4D29-7176-4491-BF07-EEF1E52F29F1}"/>
+                <a16:creationId xmlns:a16="http://schemas.microsoft.com/office/drawing/2014/main" xmlns="" id="{1CBE4D29-7176-4491-BF07-EEF1E52F29F1}"/>
               </a:ext>
             </a:extLst>
           </p:cNvPr>
@@ -2591,7 +2596,7 @@
           <p:cNvPr id="3" name="Текст 2">
             <a:extLst>
               <a:ext uri="{FF2B5EF4-FFF2-40B4-BE49-F238E27FC236}">
-                <a16:creationId xmlns:a16="http://schemas.microsoft.com/office/drawing/2014/main" id="{4768C1E2-675D-497B-A47B-80C284944CE4}"/>
+                <a16:creationId xmlns:a16="http://schemas.microsoft.com/office/drawing/2014/main" xmlns="" id="{4768C1E2-675D-497B-A47B-80C284944CE4}"/>
               </a:ext>
             </a:extLst>
           </p:cNvPr>
@@ -2755,7 +2760,11 @@
             </a:r>
             <a:r>
               <a:rPr lang="ru-RU" dirty="0"/>
-              <a:t>На улице холодно!</a:t>
+              <a:t>На улице </a:t>
+            </a:r>
+            <a:r>
+              <a:rPr lang="ru-RU" dirty="0" smtClean="0"/>
+              <a:t>жарко!</a:t>
             </a:r>
             <a:r>
               <a:rPr lang="en-US" dirty="0"/>
@@ -2779,7 +2788,15 @@
             </a:r>
             <a:r>
               <a:rPr lang="ru-RU" dirty="0"/>
-              <a:t>На улице жарко!</a:t>
+              <a:t>На </a:t>
+            </a:r>
+            <a:r>
+              <a:rPr lang="ru-RU"/>
+              <a:t>улице </a:t>
+            </a:r>
+            <a:r>
+              <a:rPr lang="ru-RU" smtClean="0"/>
+              <a:t>холодно!</a:t>
             </a:r>
             <a:r>
               <a:rPr lang="en-US" dirty="0"/>
@@ -2822,7 +2839,7 @@
     </p:spTree>
     <p:extLst>
       <p:ext uri="{BB962C8B-B14F-4D97-AF65-F5344CB8AC3E}">
-        <p14:creationId xmlns:p14="http://schemas.microsoft.com/office/powerpoint/2010/main" val="2399909898"/>
+        <p14:creationId xmlns:p14="http://schemas.microsoft.com/office/powerpoint/2010/main" xmlns="" val="2399909898"/>
       </p:ext>
     </p:extLst>
   </p:cSld>
@@ -2854,7 +2871,7 @@
           <p:cNvPr id="2" name="Заголовок 1">
             <a:extLst>
               <a:ext uri="{FF2B5EF4-FFF2-40B4-BE49-F238E27FC236}">
-                <a16:creationId xmlns:a16="http://schemas.microsoft.com/office/drawing/2014/main" id="{B1A26A2F-9F1C-46D3-B81A-E787A8083D34}"/>
+                <a16:creationId xmlns:a16="http://schemas.microsoft.com/office/drawing/2014/main" xmlns="" id="{B1A26A2F-9F1C-46D3-B81A-E787A8083D34}"/>
               </a:ext>
             </a:extLst>
           </p:cNvPr>
@@ -2882,7 +2899,7 @@
           <p:cNvPr id="3" name="Текст 2">
             <a:extLst>
               <a:ext uri="{FF2B5EF4-FFF2-40B4-BE49-F238E27FC236}">
-                <a16:creationId xmlns:a16="http://schemas.microsoft.com/office/drawing/2014/main" id="{9BAA053D-8D96-4043-884C-7BC4587ED2F6}"/>
+                <a16:creationId xmlns:a16="http://schemas.microsoft.com/office/drawing/2014/main" xmlns="" id="{9BAA053D-8D96-4043-884C-7BC4587ED2F6}"/>
               </a:ext>
             </a:extLst>
           </p:cNvPr>
@@ -2960,7 +2977,7 @@
     </p:spTree>
     <p:extLst>
       <p:ext uri="{BB962C8B-B14F-4D97-AF65-F5344CB8AC3E}">
-        <p14:creationId xmlns:p14="http://schemas.microsoft.com/office/powerpoint/2010/main" val="4188398391"/>
+        <p14:creationId xmlns:p14="http://schemas.microsoft.com/office/powerpoint/2010/main" xmlns="" val="4188398391"/>
       </p:ext>
     </p:extLst>
   </p:cSld>
@@ -2992,7 +3009,7 @@
           <p:cNvPr id="2" name="Заголовок 1">
             <a:extLst>
               <a:ext uri="{FF2B5EF4-FFF2-40B4-BE49-F238E27FC236}">
-                <a16:creationId xmlns:a16="http://schemas.microsoft.com/office/drawing/2014/main" id="{266D63DD-5140-4ADE-A93F-27A24ED513F1}"/>
+                <a16:creationId xmlns:a16="http://schemas.microsoft.com/office/drawing/2014/main" xmlns="" id="{266D63DD-5140-4ADE-A93F-27A24ED513F1}"/>
               </a:ext>
             </a:extLst>
           </p:cNvPr>
@@ -3020,7 +3037,7 @@
           <p:cNvPr id="3" name="Текст 2">
             <a:extLst>
               <a:ext uri="{FF2B5EF4-FFF2-40B4-BE49-F238E27FC236}">
-                <a16:creationId xmlns:a16="http://schemas.microsoft.com/office/drawing/2014/main" id="{271D8D20-2EC9-41BB-B924-493209DD4B2D}"/>
+                <a16:creationId xmlns:a16="http://schemas.microsoft.com/office/drawing/2014/main" xmlns="" id="{271D8D20-2EC9-41BB-B924-493209DD4B2D}"/>
               </a:ext>
             </a:extLst>
           </p:cNvPr>
@@ -3284,7 +3301,7 @@
     </p:spTree>
     <p:extLst>
       <p:ext uri="{BB962C8B-B14F-4D97-AF65-F5344CB8AC3E}">
-        <p14:creationId xmlns:p14="http://schemas.microsoft.com/office/powerpoint/2010/main" val="2373053039"/>
+        <p14:creationId xmlns:p14="http://schemas.microsoft.com/office/powerpoint/2010/main" xmlns="" val="2373053039"/>
       </p:ext>
     </p:extLst>
   </p:cSld>
@@ -3316,7 +3333,7 @@
           <p:cNvPr id="2" name="Заголовок 1">
             <a:extLst>
               <a:ext uri="{FF2B5EF4-FFF2-40B4-BE49-F238E27FC236}">
-                <a16:creationId xmlns:a16="http://schemas.microsoft.com/office/drawing/2014/main" id="{C8FFB5D0-7E8D-4F2B-8D8D-2A41BCBA7CA4}"/>
+                <a16:creationId xmlns:a16="http://schemas.microsoft.com/office/drawing/2014/main" xmlns="" id="{C8FFB5D0-7E8D-4F2B-8D8D-2A41BCBA7CA4}"/>
               </a:ext>
             </a:extLst>
           </p:cNvPr>
@@ -3349,7 +3366,7 @@
           <p:cNvPr id="3" name="Текст 2">
             <a:extLst>
               <a:ext uri="{FF2B5EF4-FFF2-40B4-BE49-F238E27FC236}">
-                <a16:creationId xmlns:a16="http://schemas.microsoft.com/office/drawing/2014/main" id="{2607DA5A-99C0-41FA-99DE-420A3B7F1832}"/>
+                <a16:creationId xmlns:a16="http://schemas.microsoft.com/office/drawing/2014/main" xmlns="" id="{2607DA5A-99C0-41FA-99DE-420A3B7F1832}"/>
               </a:ext>
             </a:extLst>
           </p:cNvPr>
@@ -3386,7 +3403,7 @@
           <p:cNvPr id="4" name="Рисунок 3">
             <a:extLst>
               <a:ext uri="{FF2B5EF4-FFF2-40B4-BE49-F238E27FC236}">
-                <a16:creationId xmlns:a16="http://schemas.microsoft.com/office/drawing/2014/main" id="{2D27B6FA-784A-428F-AE31-6BADAA21DF3C}"/>
+                <a16:creationId xmlns:a16="http://schemas.microsoft.com/office/drawing/2014/main" xmlns="" id="{2D27B6FA-784A-428F-AE31-6BADAA21DF3C}"/>
               </a:ext>
             </a:extLst>
           </p:cNvPr>
@@ -3414,7 +3431,7 @@
     </p:spTree>
     <p:extLst>
       <p:ext uri="{BB962C8B-B14F-4D97-AF65-F5344CB8AC3E}">
-        <p14:creationId xmlns:p14="http://schemas.microsoft.com/office/powerpoint/2010/main" val="653089797"/>
+        <p14:creationId xmlns:p14="http://schemas.microsoft.com/office/powerpoint/2010/main" xmlns="" val="653089797"/>
       </p:ext>
     </p:extLst>
   </p:cSld>
@@ -3446,7 +3463,7 @@
           <p:cNvPr id="2" name="Заголовок 1">
             <a:extLst>
               <a:ext uri="{FF2B5EF4-FFF2-40B4-BE49-F238E27FC236}">
-                <a16:creationId xmlns:a16="http://schemas.microsoft.com/office/drawing/2014/main" id="{D2B7EEC0-C21D-46BF-8B8F-0C40EF956AFF}"/>
+                <a16:creationId xmlns:a16="http://schemas.microsoft.com/office/drawing/2014/main" xmlns="" id="{D2B7EEC0-C21D-46BF-8B8F-0C40EF956AFF}"/>
               </a:ext>
             </a:extLst>
           </p:cNvPr>
@@ -3474,7 +3491,7 @@
           <p:cNvPr id="3" name="Текст 2">
             <a:extLst>
               <a:ext uri="{FF2B5EF4-FFF2-40B4-BE49-F238E27FC236}">
-                <a16:creationId xmlns:a16="http://schemas.microsoft.com/office/drawing/2014/main" id="{46534D76-67D7-4BF7-A2CF-C14498ED1518}"/>
+                <a16:creationId xmlns:a16="http://schemas.microsoft.com/office/drawing/2014/main" xmlns="" id="{46534D76-67D7-4BF7-A2CF-C14498ED1518}"/>
               </a:ext>
             </a:extLst>
           </p:cNvPr>
@@ -3639,7 +3656,7 @@
     </p:spTree>
     <p:extLst>
       <p:ext uri="{BB962C8B-B14F-4D97-AF65-F5344CB8AC3E}">
-        <p14:creationId xmlns:p14="http://schemas.microsoft.com/office/powerpoint/2010/main" val="3525913619"/>
+        <p14:creationId xmlns:p14="http://schemas.microsoft.com/office/powerpoint/2010/main" xmlns="" val="3525913619"/>
       </p:ext>
     </p:extLst>
   </p:cSld>
@@ -3671,7 +3688,7 @@
           <p:cNvPr id="2" name="Заголовок 1">
             <a:extLst>
               <a:ext uri="{FF2B5EF4-FFF2-40B4-BE49-F238E27FC236}">
-                <a16:creationId xmlns:a16="http://schemas.microsoft.com/office/drawing/2014/main" id="{63664AAA-F578-49BF-B01D-51891E34B3E1}"/>
+                <a16:creationId xmlns:a16="http://schemas.microsoft.com/office/drawing/2014/main" xmlns="" id="{63664AAA-F578-49BF-B01D-51891E34B3E1}"/>
               </a:ext>
             </a:extLst>
           </p:cNvPr>
@@ -3699,7 +3716,7 @@
           <p:cNvPr id="3" name="Текст 2">
             <a:extLst>
               <a:ext uri="{FF2B5EF4-FFF2-40B4-BE49-F238E27FC236}">
-                <a16:creationId xmlns:a16="http://schemas.microsoft.com/office/drawing/2014/main" id="{F204E327-04DA-42DB-B766-FB71058F5078}"/>
+                <a16:creationId xmlns:a16="http://schemas.microsoft.com/office/drawing/2014/main" xmlns="" id="{F204E327-04DA-42DB-B766-FB71058F5078}"/>
               </a:ext>
             </a:extLst>
           </p:cNvPr>
@@ -3797,7 +3814,7 @@
     </p:spTree>
     <p:extLst>
       <p:ext uri="{BB962C8B-B14F-4D97-AF65-F5344CB8AC3E}">
-        <p14:creationId xmlns:p14="http://schemas.microsoft.com/office/powerpoint/2010/main" val="2705866080"/>
+        <p14:creationId xmlns:p14="http://schemas.microsoft.com/office/powerpoint/2010/main" xmlns="" val="2705866080"/>
       </p:ext>
     </p:extLst>
   </p:cSld>
@@ -3829,7 +3846,7 @@
           <p:cNvPr id="2" name="Заголовок 1">
             <a:extLst>
               <a:ext uri="{FF2B5EF4-FFF2-40B4-BE49-F238E27FC236}">
-                <a16:creationId xmlns:a16="http://schemas.microsoft.com/office/drawing/2014/main" id="{1D69A59D-01E9-4C2C-AB50-75C8712AC11D}"/>
+                <a16:creationId xmlns:a16="http://schemas.microsoft.com/office/drawing/2014/main" xmlns="" id="{1D69A59D-01E9-4C2C-AB50-75C8712AC11D}"/>
               </a:ext>
             </a:extLst>
           </p:cNvPr>
@@ -3857,7 +3874,7 @@
           <p:cNvPr id="3" name="Текст 2">
             <a:extLst>
               <a:ext uri="{FF2B5EF4-FFF2-40B4-BE49-F238E27FC236}">
-                <a16:creationId xmlns:a16="http://schemas.microsoft.com/office/drawing/2014/main" id="{42862D3F-914E-4AF9-BEDF-6DA4A671F5CD}"/>
+                <a16:creationId xmlns:a16="http://schemas.microsoft.com/office/drawing/2014/main" xmlns="" id="{42862D3F-914E-4AF9-BEDF-6DA4A671F5CD}"/>
               </a:ext>
             </a:extLst>
           </p:cNvPr>
@@ -3893,7 +3910,7 @@
     </p:spTree>
     <p:extLst>
       <p:ext uri="{BB962C8B-B14F-4D97-AF65-F5344CB8AC3E}">
-        <p14:creationId xmlns:p14="http://schemas.microsoft.com/office/powerpoint/2010/main" val="2836848595"/>
+        <p14:creationId xmlns:p14="http://schemas.microsoft.com/office/powerpoint/2010/main" xmlns="" val="2836848595"/>
       </p:ext>
     </p:extLst>
   </p:cSld>
@@ -3925,7 +3942,7 @@
           <p:cNvPr id="2" name="Заголовок 1">
             <a:extLst>
               <a:ext uri="{FF2B5EF4-FFF2-40B4-BE49-F238E27FC236}">
-                <a16:creationId xmlns:a16="http://schemas.microsoft.com/office/drawing/2014/main" id="{7D530EC8-25E2-433E-BA0E-100F7985F868}"/>
+                <a16:creationId xmlns:a16="http://schemas.microsoft.com/office/drawing/2014/main" xmlns="" id="{7D530EC8-25E2-433E-BA0E-100F7985F868}"/>
               </a:ext>
             </a:extLst>
           </p:cNvPr>
@@ -3953,7 +3970,7 @@
           <p:cNvPr id="3" name="Рисунок 2">
             <a:extLst>
               <a:ext uri="{FF2B5EF4-FFF2-40B4-BE49-F238E27FC236}">
-                <a16:creationId xmlns:a16="http://schemas.microsoft.com/office/drawing/2014/main" id="{177CF2D8-B4B4-49AE-A902-0D98C21506C4}"/>
+                <a16:creationId xmlns:a16="http://schemas.microsoft.com/office/drawing/2014/main" xmlns="" id="{177CF2D8-B4B4-49AE-A902-0D98C21506C4}"/>
               </a:ext>
             </a:extLst>
           </p:cNvPr>
@@ -3981,7 +3998,7 @@
     </p:spTree>
     <p:extLst>
       <p:ext uri="{BB962C8B-B14F-4D97-AF65-F5344CB8AC3E}">
-        <p14:creationId xmlns:p14="http://schemas.microsoft.com/office/powerpoint/2010/main" val="1547667676"/>
+        <p14:creationId xmlns:p14="http://schemas.microsoft.com/office/powerpoint/2010/main" xmlns="" val="1547667676"/>
       </p:ext>
     </p:extLst>
   </p:cSld>
@@ -4013,7 +4030,7 @@
           <p:cNvPr id="2" name="Заголовок 1">
             <a:extLst>
               <a:ext uri="{FF2B5EF4-FFF2-40B4-BE49-F238E27FC236}">
-                <a16:creationId xmlns:a16="http://schemas.microsoft.com/office/drawing/2014/main" id="{B6EF4443-D7C2-421D-9388-4725EB85B32F}"/>
+                <a16:creationId xmlns:a16="http://schemas.microsoft.com/office/drawing/2014/main" xmlns="" id="{B6EF4443-D7C2-421D-9388-4725EB85B32F}"/>
               </a:ext>
             </a:extLst>
           </p:cNvPr>
@@ -4046,7 +4063,7 @@
           <p:cNvPr id="3" name="Текст 2">
             <a:extLst>
               <a:ext uri="{FF2B5EF4-FFF2-40B4-BE49-F238E27FC236}">
-                <a16:creationId xmlns:a16="http://schemas.microsoft.com/office/drawing/2014/main" id="{0B3E61DE-19F7-45DA-B8B9-0BEAEF9142D5}"/>
+                <a16:creationId xmlns:a16="http://schemas.microsoft.com/office/drawing/2014/main" xmlns="" id="{0B3E61DE-19F7-45DA-B8B9-0BEAEF9142D5}"/>
               </a:ext>
             </a:extLst>
           </p:cNvPr>
@@ -4105,7 +4122,7 @@
     </p:spTree>
     <p:extLst>
       <p:ext uri="{BB962C8B-B14F-4D97-AF65-F5344CB8AC3E}">
-        <p14:creationId xmlns:p14="http://schemas.microsoft.com/office/powerpoint/2010/main" val="1102795908"/>
+        <p14:creationId xmlns:p14="http://schemas.microsoft.com/office/powerpoint/2010/main" xmlns="" val="1102795908"/>
       </p:ext>
     </p:extLst>
   </p:cSld>
@@ -4137,7 +4154,7 @@
           <p:cNvPr id="2" name="Заголовок 1">
             <a:extLst>
               <a:ext uri="{FF2B5EF4-FFF2-40B4-BE49-F238E27FC236}">
-                <a16:creationId xmlns:a16="http://schemas.microsoft.com/office/drawing/2014/main" id="{A479EF3E-F4BD-4628-BB48-D33E16E2BD34}"/>
+                <a16:creationId xmlns:a16="http://schemas.microsoft.com/office/drawing/2014/main" xmlns="" id="{A479EF3E-F4BD-4628-BB48-D33E16E2BD34}"/>
               </a:ext>
             </a:extLst>
           </p:cNvPr>
@@ -4165,7 +4182,7 @@
           <p:cNvPr id="3" name="Текст 2">
             <a:extLst>
               <a:ext uri="{FF2B5EF4-FFF2-40B4-BE49-F238E27FC236}">
-                <a16:creationId xmlns:a16="http://schemas.microsoft.com/office/drawing/2014/main" id="{2DB01B0B-30BE-4330-BFA5-2488B5AACB69}"/>
+                <a16:creationId xmlns:a16="http://schemas.microsoft.com/office/drawing/2014/main" xmlns="" id="{2DB01B0B-30BE-4330-BFA5-2488B5AACB69}"/>
               </a:ext>
             </a:extLst>
           </p:cNvPr>
@@ -4384,7 +4401,7 @@
     </p:spTree>
     <p:extLst>
       <p:ext uri="{BB962C8B-B14F-4D97-AF65-F5344CB8AC3E}">
-        <p14:creationId xmlns:p14="http://schemas.microsoft.com/office/powerpoint/2010/main" val="1495697845"/>
+        <p14:creationId xmlns:p14="http://schemas.microsoft.com/office/powerpoint/2010/main" xmlns="" val="1495697845"/>
       </p:ext>
     </p:extLst>
   </p:cSld>
@@ -4416,7 +4433,7 @@
           <p:cNvPr id="2" name="Заголовок 1">
             <a:extLst>
               <a:ext uri="{FF2B5EF4-FFF2-40B4-BE49-F238E27FC236}">
-                <a16:creationId xmlns:a16="http://schemas.microsoft.com/office/drawing/2014/main" id="{9790EF80-7663-4E40-892C-4C4364158CCF}"/>
+                <a16:creationId xmlns:a16="http://schemas.microsoft.com/office/drawing/2014/main" xmlns="" id="{9790EF80-7663-4E40-892C-4C4364158CCF}"/>
               </a:ext>
             </a:extLst>
           </p:cNvPr>
@@ -4444,7 +4461,7 @@
           <p:cNvPr id="3" name="Текст 2">
             <a:extLst>
               <a:ext uri="{FF2B5EF4-FFF2-40B4-BE49-F238E27FC236}">
-                <a16:creationId xmlns:a16="http://schemas.microsoft.com/office/drawing/2014/main" id="{2036E131-C1E4-4320-93FF-7BFFC0E51B5A}"/>
+                <a16:creationId xmlns:a16="http://schemas.microsoft.com/office/drawing/2014/main" xmlns="" id="{2036E131-C1E4-4320-93FF-7BFFC0E51B5A}"/>
               </a:ext>
             </a:extLst>
           </p:cNvPr>
@@ -4560,7 +4577,7 @@
     </p:spTree>
     <p:extLst>
       <p:ext uri="{BB962C8B-B14F-4D97-AF65-F5344CB8AC3E}">
-        <p14:creationId xmlns:p14="http://schemas.microsoft.com/office/powerpoint/2010/main" val="179078899"/>
+        <p14:creationId xmlns:p14="http://schemas.microsoft.com/office/powerpoint/2010/main" xmlns="" val="179078899"/>
       </p:ext>
     </p:extLst>
   </p:cSld>
@@ -4592,7 +4609,7 @@
           <p:cNvPr id="2" name="Заголовок 1">
             <a:extLst>
               <a:ext uri="{FF2B5EF4-FFF2-40B4-BE49-F238E27FC236}">
-                <a16:creationId xmlns:a16="http://schemas.microsoft.com/office/drawing/2014/main" id="{BF160758-4900-49A5-A414-56B628F416DE}"/>
+                <a16:creationId xmlns:a16="http://schemas.microsoft.com/office/drawing/2014/main" xmlns="" id="{BF160758-4900-49A5-A414-56B628F416DE}"/>
               </a:ext>
             </a:extLst>
           </p:cNvPr>
@@ -4628,7 +4645,7 @@
           <p:cNvPr id="3" name="Текст 2">
             <a:extLst>
               <a:ext uri="{FF2B5EF4-FFF2-40B4-BE49-F238E27FC236}">
-                <a16:creationId xmlns:a16="http://schemas.microsoft.com/office/drawing/2014/main" id="{7DA797B5-443E-4CFD-8E56-22768AF5D860}"/>
+                <a16:creationId xmlns:a16="http://schemas.microsoft.com/office/drawing/2014/main" xmlns="" id="{7DA797B5-443E-4CFD-8E56-22768AF5D860}"/>
               </a:ext>
             </a:extLst>
           </p:cNvPr>
@@ -4748,7 +4765,7 @@
     </p:spTree>
     <p:extLst>
       <p:ext uri="{BB962C8B-B14F-4D97-AF65-F5344CB8AC3E}">
-        <p14:creationId xmlns:p14="http://schemas.microsoft.com/office/powerpoint/2010/main" val="1430218361"/>
+        <p14:creationId xmlns:p14="http://schemas.microsoft.com/office/powerpoint/2010/main" xmlns="" val="1430218361"/>
       </p:ext>
     </p:extLst>
   </p:cSld>
@@ -4780,7 +4797,7 @@
           <p:cNvPr id="2" name="Заголовок 1">
             <a:extLst>
               <a:ext uri="{FF2B5EF4-FFF2-40B4-BE49-F238E27FC236}">
-                <a16:creationId xmlns:a16="http://schemas.microsoft.com/office/drawing/2014/main" id="{603AF9B8-26EB-45BD-823C-56DA876B5F2F}"/>
+                <a16:creationId xmlns:a16="http://schemas.microsoft.com/office/drawing/2014/main" xmlns="" id="{603AF9B8-26EB-45BD-823C-56DA876B5F2F}"/>
               </a:ext>
             </a:extLst>
           </p:cNvPr>
@@ -4808,7 +4825,7 @@
           <p:cNvPr id="3" name="Текст 2">
             <a:extLst>
               <a:ext uri="{FF2B5EF4-FFF2-40B4-BE49-F238E27FC236}">
-                <a16:creationId xmlns:a16="http://schemas.microsoft.com/office/drawing/2014/main" id="{14F0CEB1-5F78-4546-9E78-93E1FA62C8DA}"/>
+                <a16:creationId xmlns:a16="http://schemas.microsoft.com/office/drawing/2014/main" xmlns="" id="{14F0CEB1-5F78-4546-9E78-93E1FA62C8DA}"/>
               </a:ext>
             </a:extLst>
           </p:cNvPr>
@@ -4876,7 +4893,7 @@
           <p:cNvPr id="5" name="Рисунок 4">
             <a:extLst>
               <a:ext uri="{FF2B5EF4-FFF2-40B4-BE49-F238E27FC236}">
-                <a16:creationId xmlns:a16="http://schemas.microsoft.com/office/drawing/2014/main" id="{8739D42C-1AAF-459D-A5A9-C9CB72207056}"/>
+                <a16:creationId xmlns:a16="http://schemas.microsoft.com/office/drawing/2014/main" xmlns="" id="{8739D42C-1AAF-459D-A5A9-C9CB72207056}"/>
               </a:ext>
             </a:extLst>
           </p:cNvPr>
@@ -4904,7 +4921,7 @@
     </p:spTree>
     <p:extLst>
       <p:ext uri="{BB962C8B-B14F-4D97-AF65-F5344CB8AC3E}">
-        <p14:creationId xmlns:p14="http://schemas.microsoft.com/office/powerpoint/2010/main" val="703062998"/>
+        <p14:creationId xmlns:p14="http://schemas.microsoft.com/office/powerpoint/2010/main" xmlns="" val="703062998"/>
       </p:ext>
     </p:extLst>
   </p:cSld>
@@ -4936,7 +4953,7 @@
           <p:cNvPr id="2" name="Заголовок 1">
             <a:extLst>
               <a:ext uri="{FF2B5EF4-FFF2-40B4-BE49-F238E27FC236}">
-                <a16:creationId xmlns:a16="http://schemas.microsoft.com/office/drawing/2014/main" id="{2ED3A23C-EA50-4F72-842B-9A6E66CE6658}"/>
+                <a16:creationId xmlns:a16="http://schemas.microsoft.com/office/drawing/2014/main" xmlns="" id="{2ED3A23C-EA50-4F72-842B-9A6E66CE6658}"/>
               </a:ext>
             </a:extLst>
           </p:cNvPr>
@@ -4964,7 +4981,7 @@
           <p:cNvPr id="3" name="Текст 2">
             <a:extLst>
               <a:ext uri="{FF2B5EF4-FFF2-40B4-BE49-F238E27FC236}">
-                <a16:creationId xmlns:a16="http://schemas.microsoft.com/office/drawing/2014/main" id="{BE50B508-0591-4DBC-8BA5-EC472BB982D3}"/>
+                <a16:creationId xmlns:a16="http://schemas.microsoft.com/office/drawing/2014/main" xmlns="" id="{BE50B508-0591-4DBC-8BA5-EC472BB982D3}"/>
               </a:ext>
             </a:extLst>
           </p:cNvPr>
@@ -5193,7 +5210,7 @@
     </p:spTree>
     <p:extLst>
       <p:ext uri="{BB962C8B-B14F-4D97-AF65-F5344CB8AC3E}">
-        <p14:creationId xmlns:p14="http://schemas.microsoft.com/office/powerpoint/2010/main" val="960396923"/>
+        <p14:creationId xmlns:p14="http://schemas.microsoft.com/office/powerpoint/2010/main" xmlns="" val="960396923"/>
       </p:ext>
     </p:extLst>
   </p:cSld>
@@ -5246,7 +5263,7 @@
     </a:clrScheme>
     <a:fontScheme name="Стандартная">
       <a:majorFont>
-        <a:latin typeface="Calibri Light" panose="020F0302020204030204"/>
+        <a:latin typeface="Calibri Light"/>
         <a:ea typeface=""/>
         <a:cs typeface=""/>
         <a:font script="Jpan" typeface="游ゴシック Light"/>
@@ -5298,7 +5315,7 @@
         <a:font script="Tfng" typeface="Ebrima"/>
       </a:majorFont>
       <a:minorFont>
-        <a:latin typeface="Calibri" panose="020F0502020204030204"/>
+        <a:latin typeface="Calibri"/>
         <a:ea typeface=""/>
         <a:cs typeface=""/>
         <a:font script="Jpan" typeface="游ゴシック"/>
@@ -5492,7 +5509,7 @@
   <a:extraClrSchemeLst/>
   <a:extLst>
     <a:ext uri="{05A4C25C-085E-4340-85A3-A5531E510DB2}">
-      <thm15:themeFamily xmlns:thm15="http://schemas.microsoft.com/office/thememl/2012/main" name="Office Theme" id="{62F939B6-93AF-4DB8-9C6B-D6C7DFDC589F}" vid="{4A3C46E8-61CC-4603-A589-7422A47A8E4A}"/>
+      <thm15:themeFamily xmlns:thm15="http://schemas.microsoft.com/office/thememl/2012/main" xmlns="" name="Office Theme" id="{62F939B6-93AF-4DB8-9C6B-D6C7DFDC589F}" vid="{4A3C46E8-61CC-4603-A589-7422A47A8E4A}"/>
     </a:ext>
   </a:extLst>
 </a:theme>
@@ -5541,7 +5558,7 @@
     </a:clrScheme>
     <a:fontScheme name="Стандартная">
       <a:majorFont>
-        <a:latin typeface="Calibri Light" panose="020F0302020204030204"/>
+        <a:latin typeface="Calibri Light"/>
         <a:ea typeface=""/>
         <a:cs typeface=""/>
         <a:font script="Jpan" typeface="游ゴシック Light"/>
@@ -5593,7 +5610,7 @@
         <a:font script="Tfng" typeface="Ebrima"/>
       </a:majorFont>
       <a:minorFont>
-        <a:latin typeface="Calibri" panose="020F0502020204030204"/>
+        <a:latin typeface="Calibri"/>
         <a:ea typeface=""/>
         <a:cs typeface=""/>
         <a:font script="Jpan" typeface="游ゴシック"/>
@@ -5787,7 +5804,7 @@
   <a:extraClrSchemeLst/>
   <a:extLst>
     <a:ext uri="{05A4C25C-085E-4340-85A3-A5531E510DB2}">
-      <thm15:themeFamily xmlns:thm15="http://schemas.microsoft.com/office/thememl/2012/main" name="Office Theme" id="{62F939B6-93AF-4DB8-9C6B-D6C7DFDC589F}" vid="{4A3C46E8-61CC-4603-A589-7422A47A8E4A}"/>
+      <thm15:themeFamily xmlns:thm15="http://schemas.microsoft.com/office/thememl/2012/main" xmlns="" name="Office Theme" id="{62F939B6-93AF-4DB8-9C6B-D6C7DFDC589F}" vid="{4A3C46E8-61CC-4603-A589-7422A47A8E4A}"/>
     </a:ext>
   </a:extLst>
 </a:theme>
@@ -5836,7 +5853,7 @@
     </a:clrScheme>
     <a:fontScheme name="Стандартная">
       <a:majorFont>
-        <a:latin typeface="Calibri Light" panose="020F0302020204030204"/>
+        <a:latin typeface="Calibri Light"/>
         <a:ea typeface=""/>
         <a:cs typeface=""/>
         <a:font script="Jpan" typeface="游ゴシック Light"/>
@@ -5888,7 +5905,7 @@
         <a:font script="Tfng" typeface="Ebrima"/>
       </a:majorFont>
       <a:minorFont>
-        <a:latin typeface="Calibri" panose="020F0502020204030204"/>
+        <a:latin typeface="Calibri"/>
         <a:ea typeface=""/>
         <a:cs typeface=""/>
         <a:font script="Jpan" typeface="游ゴシック"/>
@@ -6082,7 +6099,7 @@
   <a:extraClrSchemeLst/>
   <a:extLst>
     <a:ext uri="{05A4C25C-085E-4340-85A3-A5531E510DB2}">
-      <thm15:themeFamily xmlns:thm15="http://schemas.microsoft.com/office/thememl/2012/main" name="Office Theme" id="{62F939B6-93AF-4DB8-9C6B-D6C7DFDC589F}" vid="{4A3C46E8-61CC-4603-A589-7422A47A8E4A}"/>
+      <thm15:themeFamily xmlns:thm15="http://schemas.microsoft.com/office/thememl/2012/main" xmlns="" name="Office Theme" id="{62F939B6-93AF-4DB8-9C6B-D6C7DFDC589F}" vid="{4A3C46E8-61CC-4603-A589-7422A47A8E4A}"/>
     </a:ext>
   </a:extLst>
 </a:theme>
